--- a/ppt 16-9/0221.颂歌赞神思.pptx
+++ b/ppt 16-9/0221.颂歌赞神思.pptx
@@ -129,7 +129,7 @@
           <p:cNvPr id="2" name="标题 1">
             <a:extLst>
               <a:ext uri="{FF2B5EF4-FFF2-40B4-BE49-F238E27FC236}">
-                <a16:creationId xmlns:a16="http://schemas.microsoft.com/office/drawing/2014/main" id="{D8B976B3-A0D9-60C5-3123-EE2FEB80B6EB}"/>
+                <a16:creationId xmlns:a16="http://schemas.microsoft.com/office/drawing/2014/main" id="{7B880D65-C309-5267-AC78-A95C8EA8AEC5}"/>
               </a:ext>
             </a:extLst>
           </p:cNvPr>
@@ -166,7 +166,7 @@
           <p:cNvPr id="3" name="副标题 2">
             <a:extLst>
               <a:ext uri="{FF2B5EF4-FFF2-40B4-BE49-F238E27FC236}">
-                <a16:creationId xmlns:a16="http://schemas.microsoft.com/office/drawing/2014/main" id="{B7848BD0-68E4-7664-1468-C4381D418B4C}"/>
+                <a16:creationId xmlns:a16="http://schemas.microsoft.com/office/drawing/2014/main" id="{0EAF00F7-E8B4-E018-BF74-DEC9CD7A4B61}"/>
               </a:ext>
             </a:extLst>
           </p:cNvPr>
@@ -236,7 +236,7 @@
           <p:cNvPr id="4" name="日期占位符 3">
             <a:extLst>
               <a:ext uri="{FF2B5EF4-FFF2-40B4-BE49-F238E27FC236}">
-                <a16:creationId xmlns:a16="http://schemas.microsoft.com/office/drawing/2014/main" id="{7EB910D4-D7E8-5ADA-F12E-D494BE0480AE}"/>
+                <a16:creationId xmlns:a16="http://schemas.microsoft.com/office/drawing/2014/main" id="{AC687CF6-F19B-BA12-52B2-B08A8801C81F}"/>
               </a:ext>
             </a:extLst>
           </p:cNvPr>
@@ -252,7 +252,7 @@
           <a:bodyPr/>
           <a:lstStyle/>
           <a:p>
-            <a:fld id="{CA8788D4-93C4-4801-85F5-FA0A3E6000A6}" type="datetimeFigureOut">
+            <a:fld id="{CE851A7A-D552-470B-A767-D32D76C274D2}" type="datetimeFigureOut">
               <a:rPr lang="zh-CN" altLang="en-US" smtClean="0"/>
               <a:t>2024/3/10</a:t>
             </a:fld>
@@ -265,7 +265,7 @@
           <p:cNvPr id="5" name="页脚占位符 4">
             <a:extLst>
               <a:ext uri="{FF2B5EF4-FFF2-40B4-BE49-F238E27FC236}">
-                <a16:creationId xmlns:a16="http://schemas.microsoft.com/office/drawing/2014/main" id="{8871D95C-5F89-CAF1-96FA-B9CA837CD1DD}"/>
+                <a16:creationId xmlns:a16="http://schemas.microsoft.com/office/drawing/2014/main" id="{A3D0B061-A02C-2CE2-3F28-B24D0DF15D1A}"/>
               </a:ext>
             </a:extLst>
           </p:cNvPr>
@@ -290,7 +290,7 @@
           <p:cNvPr id="6" name="灯片编号占位符 5">
             <a:extLst>
               <a:ext uri="{FF2B5EF4-FFF2-40B4-BE49-F238E27FC236}">
-                <a16:creationId xmlns:a16="http://schemas.microsoft.com/office/drawing/2014/main" id="{5885BF08-C8EA-077A-95BF-C1C18E025409}"/>
+                <a16:creationId xmlns:a16="http://schemas.microsoft.com/office/drawing/2014/main" id="{5DFE4688-4EA0-4393-ACBE-EEE66723EB17}"/>
               </a:ext>
             </a:extLst>
           </p:cNvPr>
@@ -306,7 +306,7 @@
           <a:bodyPr/>
           <a:lstStyle/>
           <a:p>
-            <a:fld id="{E1E11BF9-0F1A-49C2-BE52-EF0FB9910B56}" type="slidenum">
+            <a:fld id="{1E915D0A-A078-4E11-9AAE-AA99D19E461F}" type="slidenum">
               <a:rPr lang="zh-CN" altLang="en-US" smtClean="0"/>
               <a:t>‹#›</a:t>
             </a:fld>
@@ -317,7 +317,7 @@
     </p:spTree>
     <p:extLst>
       <p:ext uri="{BB962C8B-B14F-4D97-AF65-F5344CB8AC3E}">
-        <p14:creationId xmlns:p14="http://schemas.microsoft.com/office/powerpoint/2010/main" val="1475678309"/>
+        <p14:creationId xmlns:p14="http://schemas.microsoft.com/office/powerpoint/2010/main" val="2791707250"/>
       </p:ext>
     </p:extLst>
   </p:cSld>
@@ -349,7 +349,7 @@
           <p:cNvPr id="2" name="标题 1">
             <a:extLst>
               <a:ext uri="{FF2B5EF4-FFF2-40B4-BE49-F238E27FC236}">
-                <a16:creationId xmlns:a16="http://schemas.microsoft.com/office/drawing/2014/main" id="{5D1EE93E-68B7-F7A2-B412-84594AA8D59F}"/>
+                <a16:creationId xmlns:a16="http://schemas.microsoft.com/office/drawing/2014/main" id="{C598782C-60C6-C4AA-83A3-345E1A55E5A0}"/>
               </a:ext>
             </a:extLst>
           </p:cNvPr>
@@ -377,7 +377,7 @@
           <p:cNvPr id="3" name="竖排文字占位符 2">
             <a:extLst>
               <a:ext uri="{FF2B5EF4-FFF2-40B4-BE49-F238E27FC236}">
-                <a16:creationId xmlns:a16="http://schemas.microsoft.com/office/drawing/2014/main" id="{A33DFBC2-93DD-540B-FE1F-754F02BBF472}"/>
+                <a16:creationId xmlns:a16="http://schemas.microsoft.com/office/drawing/2014/main" id="{1B8EB0BA-27A1-D580-892D-124FD5585095}"/>
               </a:ext>
             </a:extLst>
           </p:cNvPr>
@@ -434,7 +434,7 @@
           <p:cNvPr id="4" name="日期占位符 3">
             <a:extLst>
               <a:ext uri="{FF2B5EF4-FFF2-40B4-BE49-F238E27FC236}">
-                <a16:creationId xmlns:a16="http://schemas.microsoft.com/office/drawing/2014/main" id="{332C3D39-9456-BCF5-71AD-96497967EC7B}"/>
+                <a16:creationId xmlns:a16="http://schemas.microsoft.com/office/drawing/2014/main" id="{493FAAA1-8AD4-CC28-6D7D-A5DBFA7D2C8C}"/>
               </a:ext>
             </a:extLst>
           </p:cNvPr>
@@ -450,7 +450,7 @@
           <a:bodyPr/>
           <a:lstStyle/>
           <a:p>
-            <a:fld id="{CA8788D4-93C4-4801-85F5-FA0A3E6000A6}" type="datetimeFigureOut">
+            <a:fld id="{CE851A7A-D552-470B-A767-D32D76C274D2}" type="datetimeFigureOut">
               <a:rPr lang="zh-CN" altLang="en-US" smtClean="0"/>
               <a:t>2024/3/10</a:t>
             </a:fld>
@@ -463,7 +463,7 @@
           <p:cNvPr id="5" name="页脚占位符 4">
             <a:extLst>
               <a:ext uri="{FF2B5EF4-FFF2-40B4-BE49-F238E27FC236}">
-                <a16:creationId xmlns:a16="http://schemas.microsoft.com/office/drawing/2014/main" id="{84E23787-2247-0ED2-960E-972FF072242F}"/>
+                <a16:creationId xmlns:a16="http://schemas.microsoft.com/office/drawing/2014/main" id="{66F7F940-662D-60A2-004E-3CBCA96B587B}"/>
               </a:ext>
             </a:extLst>
           </p:cNvPr>
@@ -488,7 +488,7 @@
           <p:cNvPr id="6" name="灯片编号占位符 5">
             <a:extLst>
               <a:ext uri="{FF2B5EF4-FFF2-40B4-BE49-F238E27FC236}">
-                <a16:creationId xmlns:a16="http://schemas.microsoft.com/office/drawing/2014/main" id="{9E43491D-18B5-DA6A-A516-A282FBE58A69}"/>
+                <a16:creationId xmlns:a16="http://schemas.microsoft.com/office/drawing/2014/main" id="{A5B7F0F2-CB7C-4C1A-5DF0-84E421AF4F33}"/>
               </a:ext>
             </a:extLst>
           </p:cNvPr>
@@ -504,7 +504,7 @@
           <a:bodyPr/>
           <a:lstStyle/>
           <a:p>
-            <a:fld id="{E1E11BF9-0F1A-49C2-BE52-EF0FB9910B56}" type="slidenum">
+            <a:fld id="{1E915D0A-A078-4E11-9AAE-AA99D19E461F}" type="slidenum">
               <a:rPr lang="zh-CN" altLang="en-US" smtClean="0"/>
               <a:t>‹#›</a:t>
             </a:fld>
@@ -515,7 +515,7 @@
     </p:spTree>
     <p:extLst>
       <p:ext uri="{BB962C8B-B14F-4D97-AF65-F5344CB8AC3E}">
-        <p14:creationId xmlns:p14="http://schemas.microsoft.com/office/powerpoint/2010/main" val="683658359"/>
+        <p14:creationId xmlns:p14="http://schemas.microsoft.com/office/powerpoint/2010/main" val="3883849683"/>
       </p:ext>
     </p:extLst>
   </p:cSld>
@@ -547,7 +547,7 @@
           <p:cNvPr id="2" name="竖排标题 1">
             <a:extLst>
               <a:ext uri="{FF2B5EF4-FFF2-40B4-BE49-F238E27FC236}">
-                <a16:creationId xmlns:a16="http://schemas.microsoft.com/office/drawing/2014/main" id="{DD1AE35B-C46F-F597-4251-946E02D230B9}"/>
+                <a16:creationId xmlns:a16="http://schemas.microsoft.com/office/drawing/2014/main" id="{0D886E15-EF78-53A1-1920-B78D9550D29C}"/>
               </a:ext>
             </a:extLst>
           </p:cNvPr>
@@ -580,7 +580,7 @@
           <p:cNvPr id="3" name="竖排文字占位符 2">
             <a:extLst>
               <a:ext uri="{FF2B5EF4-FFF2-40B4-BE49-F238E27FC236}">
-                <a16:creationId xmlns:a16="http://schemas.microsoft.com/office/drawing/2014/main" id="{76329253-3801-1034-7480-C33B527ACA83}"/>
+                <a16:creationId xmlns:a16="http://schemas.microsoft.com/office/drawing/2014/main" id="{36C5E014-9B80-A03B-6044-FB66726A3FE3}"/>
               </a:ext>
             </a:extLst>
           </p:cNvPr>
@@ -642,7 +642,7 @@
           <p:cNvPr id="4" name="日期占位符 3">
             <a:extLst>
               <a:ext uri="{FF2B5EF4-FFF2-40B4-BE49-F238E27FC236}">
-                <a16:creationId xmlns:a16="http://schemas.microsoft.com/office/drawing/2014/main" id="{2D8677FD-43C2-433C-05F2-117764E3E4C8}"/>
+                <a16:creationId xmlns:a16="http://schemas.microsoft.com/office/drawing/2014/main" id="{DAF73073-E70E-576A-C058-C0C88E16EF3C}"/>
               </a:ext>
             </a:extLst>
           </p:cNvPr>
@@ -658,7 +658,7 @@
           <a:bodyPr/>
           <a:lstStyle/>
           <a:p>
-            <a:fld id="{CA8788D4-93C4-4801-85F5-FA0A3E6000A6}" type="datetimeFigureOut">
+            <a:fld id="{CE851A7A-D552-470B-A767-D32D76C274D2}" type="datetimeFigureOut">
               <a:rPr lang="zh-CN" altLang="en-US" smtClean="0"/>
               <a:t>2024/3/10</a:t>
             </a:fld>
@@ -671,7 +671,7 @@
           <p:cNvPr id="5" name="页脚占位符 4">
             <a:extLst>
               <a:ext uri="{FF2B5EF4-FFF2-40B4-BE49-F238E27FC236}">
-                <a16:creationId xmlns:a16="http://schemas.microsoft.com/office/drawing/2014/main" id="{ED95F894-AD8D-2E2A-ABC6-DCAA6BCB57EE}"/>
+                <a16:creationId xmlns:a16="http://schemas.microsoft.com/office/drawing/2014/main" id="{1E3CCC04-BEBC-9220-F695-DA549B4EB7D2}"/>
               </a:ext>
             </a:extLst>
           </p:cNvPr>
@@ -696,7 +696,7 @@
           <p:cNvPr id="6" name="灯片编号占位符 5">
             <a:extLst>
               <a:ext uri="{FF2B5EF4-FFF2-40B4-BE49-F238E27FC236}">
-                <a16:creationId xmlns:a16="http://schemas.microsoft.com/office/drawing/2014/main" id="{CD3B74E7-D37A-0356-6EBD-C10CE73C0A70}"/>
+                <a16:creationId xmlns:a16="http://schemas.microsoft.com/office/drawing/2014/main" id="{5C9F2400-26EF-9510-A4F3-01BF57037696}"/>
               </a:ext>
             </a:extLst>
           </p:cNvPr>
@@ -712,7 +712,7 @@
           <a:bodyPr/>
           <a:lstStyle/>
           <a:p>
-            <a:fld id="{E1E11BF9-0F1A-49C2-BE52-EF0FB9910B56}" type="slidenum">
+            <a:fld id="{1E915D0A-A078-4E11-9AAE-AA99D19E461F}" type="slidenum">
               <a:rPr lang="zh-CN" altLang="en-US" smtClean="0"/>
               <a:t>‹#›</a:t>
             </a:fld>
@@ -723,7 +723,7 @@
     </p:spTree>
     <p:extLst>
       <p:ext uri="{BB962C8B-B14F-4D97-AF65-F5344CB8AC3E}">
-        <p14:creationId xmlns:p14="http://schemas.microsoft.com/office/powerpoint/2010/main" val="2500202965"/>
+        <p14:creationId xmlns:p14="http://schemas.microsoft.com/office/powerpoint/2010/main" val="1534596343"/>
       </p:ext>
     </p:extLst>
   </p:cSld>
@@ -755,7 +755,7 @@
           <p:cNvPr id="2" name="标题 1">
             <a:extLst>
               <a:ext uri="{FF2B5EF4-FFF2-40B4-BE49-F238E27FC236}">
-                <a16:creationId xmlns:a16="http://schemas.microsoft.com/office/drawing/2014/main" id="{B5E6D8E3-C0EF-F2C7-F5EE-612FDEFDE8BD}"/>
+                <a16:creationId xmlns:a16="http://schemas.microsoft.com/office/drawing/2014/main" id="{88A11852-53F2-C1A7-B2E3-7B1C95840537}"/>
               </a:ext>
             </a:extLst>
           </p:cNvPr>
@@ -783,7 +783,7 @@
           <p:cNvPr id="3" name="内容占位符 2">
             <a:extLst>
               <a:ext uri="{FF2B5EF4-FFF2-40B4-BE49-F238E27FC236}">
-                <a16:creationId xmlns:a16="http://schemas.microsoft.com/office/drawing/2014/main" id="{147F7662-FA62-E3C5-76C6-FB4BF0D14D3A}"/>
+                <a16:creationId xmlns:a16="http://schemas.microsoft.com/office/drawing/2014/main" id="{4B623B5A-4426-9EEF-A687-A15C4E605B79}"/>
               </a:ext>
             </a:extLst>
           </p:cNvPr>
@@ -840,7 +840,7 @@
           <p:cNvPr id="4" name="日期占位符 3">
             <a:extLst>
               <a:ext uri="{FF2B5EF4-FFF2-40B4-BE49-F238E27FC236}">
-                <a16:creationId xmlns:a16="http://schemas.microsoft.com/office/drawing/2014/main" id="{F87C69C6-DFF1-F137-D36D-851FC2B82129}"/>
+                <a16:creationId xmlns:a16="http://schemas.microsoft.com/office/drawing/2014/main" id="{433FE687-CADA-CDEA-492D-425272923CF2}"/>
               </a:ext>
             </a:extLst>
           </p:cNvPr>
@@ -856,7 +856,7 @@
           <a:bodyPr/>
           <a:lstStyle/>
           <a:p>
-            <a:fld id="{CA8788D4-93C4-4801-85F5-FA0A3E6000A6}" type="datetimeFigureOut">
+            <a:fld id="{CE851A7A-D552-470B-A767-D32D76C274D2}" type="datetimeFigureOut">
               <a:rPr lang="zh-CN" altLang="en-US" smtClean="0"/>
               <a:t>2024/3/10</a:t>
             </a:fld>
@@ -869,7 +869,7 @@
           <p:cNvPr id="5" name="页脚占位符 4">
             <a:extLst>
               <a:ext uri="{FF2B5EF4-FFF2-40B4-BE49-F238E27FC236}">
-                <a16:creationId xmlns:a16="http://schemas.microsoft.com/office/drawing/2014/main" id="{599A075F-2A2A-6C19-6CAC-2EBC090E6B71}"/>
+                <a16:creationId xmlns:a16="http://schemas.microsoft.com/office/drawing/2014/main" id="{171FA8FA-5F84-D100-169D-93AD230BC898}"/>
               </a:ext>
             </a:extLst>
           </p:cNvPr>
@@ -894,7 +894,7 @@
           <p:cNvPr id="6" name="灯片编号占位符 5">
             <a:extLst>
               <a:ext uri="{FF2B5EF4-FFF2-40B4-BE49-F238E27FC236}">
-                <a16:creationId xmlns:a16="http://schemas.microsoft.com/office/drawing/2014/main" id="{6A445317-A9E7-E6A7-3AB3-78F91F12572D}"/>
+                <a16:creationId xmlns:a16="http://schemas.microsoft.com/office/drawing/2014/main" id="{8166A770-31AC-DDF3-3D02-520D885C59D9}"/>
               </a:ext>
             </a:extLst>
           </p:cNvPr>
@@ -910,7 +910,7 @@
           <a:bodyPr/>
           <a:lstStyle/>
           <a:p>
-            <a:fld id="{E1E11BF9-0F1A-49C2-BE52-EF0FB9910B56}" type="slidenum">
+            <a:fld id="{1E915D0A-A078-4E11-9AAE-AA99D19E461F}" type="slidenum">
               <a:rPr lang="zh-CN" altLang="en-US" smtClean="0"/>
               <a:t>‹#›</a:t>
             </a:fld>
@@ -921,7 +921,7 @@
     </p:spTree>
     <p:extLst>
       <p:ext uri="{BB962C8B-B14F-4D97-AF65-F5344CB8AC3E}">
-        <p14:creationId xmlns:p14="http://schemas.microsoft.com/office/powerpoint/2010/main" val="4087480746"/>
+        <p14:creationId xmlns:p14="http://schemas.microsoft.com/office/powerpoint/2010/main" val="2661526393"/>
       </p:ext>
     </p:extLst>
   </p:cSld>
@@ -953,7 +953,7 @@
           <p:cNvPr id="2" name="标题 1">
             <a:extLst>
               <a:ext uri="{FF2B5EF4-FFF2-40B4-BE49-F238E27FC236}">
-                <a16:creationId xmlns:a16="http://schemas.microsoft.com/office/drawing/2014/main" id="{FBCCE6FD-D40F-7884-0176-14D4B17BA02F}"/>
+                <a16:creationId xmlns:a16="http://schemas.microsoft.com/office/drawing/2014/main" id="{3368BEA7-005B-F71D-479B-DD4630C9DF51}"/>
               </a:ext>
             </a:extLst>
           </p:cNvPr>
@@ -990,7 +990,7 @@
           <p:cNvPr id="3" name="文本占位符 2">
             <a:extLst>
               <a:ext uri="{FF2B5EF4-FFF2-40B4-BE49-F238E27FC236}">
-                <a16:creationId xmlns:a16="http://schemas.microsoft.com/office/drawing/2014/main" id="{41A97D42-E342-DD65-B38F-0B2720D5846B}"/>
+                <a16:creationId xmlns:a16="http://schemas.microsoft.com/office/drawing/2014/main" id="{55B15E9A-39E1-819E-9FFB-58D0AC7800A6}"/>
               </a:ext>
             </a:extLst>
           </p:cNvPr>
@@ -1115,7 +1115,7 @@
           <p:cNvPr id="4" name="日期占位符 3">
             <a:extLst>
               <a:ext uri="{FF2B5EF4-FFF2-40B4-BE49-F238E27FC236}">
-                <a16:creationId xmlns:a16="http://schemas.microsoft.com/office/drawing/2014/main" id="{BCB40F91-6794-E90C-65A0-FCFA3F52E771}"/>
+                <a16:creationId xmlns:a16="http://schemas.microsoft.com/office/drawing/2014/main" id="{48D18861-DEF2-D4B8-AAAE-CE93EE23642F}"/>
               </a:ext>
             </a:extLst>
           </p:cNvPr>
@@ -1131,7 +1131,7 @@
           <a:bodyPr/>
           <a:lstStyle/>
           <a:p>
-            <a:fld id="{CA8788D4-93C4-4801-85F5-FA0A3E6000A6}" type="datetimeFigureOut">
+            <a:fld id="{CE851A7A-D552-470B-A767-D32D76C274D2}" type="datetimeFigureOut">
               <a:rPr lang="zh-CN" altLang="en-US" smtClean="0"/>
               <a:t>2024/3/10</a:t>
             </a:fld>
@@ -1144,7 +1144,7 @@
           <p:cNvPr id="5" name="页脚占位符 4">
             <a:extLst>
               <a:ext uri="{FF2B5EF4-FFF2-40B4-BE49-F238E27FC236}">
-                <a16:creationId xmlns:a16="http://schemas.microsoft.com/office/drawing/2014/main" id="{BBA567AF-C85F-9234-4E37-F4AFC8D5E8D8}"/>
+                <a16:creationId xmlns:a16="http://schemas.microsoft.com/office/drawing/2014/main" id="{1C0F1F08-8264-A053-349B-0ED3320B0BD0}"/>
               </a:ext>
             </a:extLst>
           </p:cNvPr>
@@ -1169,7 +1169,7 @@
           <p:cNvPr id="6" name="灯片编号占位符 5">
             <a:extLst>
               <a:ext uri="{FF2B5EF4-FFF2-40B4-BE49-F238E27FC236}">
-                <a16:creationId xmlns:a16="http://schemas.microsoft.com/office/drawing/2014/main" id="{C6A66A68-4FB2-8D8B-302B-FC2D88940238}"/>
+                <a16:creationId xmlns:a16="http://schemas.microsoft.com/office/drawing/2014/main" id="{CC080223-0C9D-1D01-1E63-FAC836B81FBA}"/>
               </a:ext>
             </a:extLst>
           </p:cNvPr>
@@ -1185,7 +1185,7 @@
           <a:bodyPr/>
           <a:lstStyle/>
           <a:p>
-            <a:fld id="{E1E11BF9-0F1A-49C2-BE52-EF0FB9910B56}" type="slidenum">
+            <a:fld id="{1E915D0A-A078-4E11-9AAE-AA99D19E461F}" type="slidenum">
               <a:rPr lang="zh-CN" altLang="en-US" smtClean="0"/>
               <a:t>‹#›</a:t>
             </a:fld>
@@ -1196,7 +1196,7 @@
     </p:spTree>
     <p:extLst>
       <p:ext uri="{BB962C8B-B14F-4D97-AF65-F5344CB8AC3E}">
-        <p14:creationId xmlns:p14="http://schemas.microsoft.com/office/powerpoint/2010/main" val="1063227776"/>
+        <p14:creationId xmlns:p14="http://schemas.microsoft.com/office/powerpoint/2010/main" val="1802634871"/>
       </p:ext>
     </p:extLst>
   </p:cSld>
@@ -1228,7 +1228,7 @@
           <p:cNvPr id="2" name="标题 1">
             <a:extLst>
               <a:ext uri="{FF2B5EF4-FFF2-40B4-BE49-F238E27FC236}">
-                <a16:creationId xmlns:a16="http://schemas.microsoft.com/office/drawing/2014/main" id="{DE73292B-8272-C27E-AEC7-12E7A0621281}"/>
+                <a16:creationId xmlns:a16="http://schemas.microsoft.com/office/drawing/2014/main" id="{5DD24957-8C31-0A18-0F93-63A9A683D8CB}"/>
               </a:ext>
             </a:extLst>
           </p:cNvPr>
@@ -1256,7 +1256,7 @@
           <p:cNvPr id="3" name="内容占位符 2">
             <a:extLst>
               <a:ext uri="{FF2B5EF4-FFF2-40B4-BE49-F238E27FC236}">
-                <a16:creationId xmlns:a16="http://schemas.microsoft.com/office/drawing/2014/main" id="{F5690E3A-A822-9F37-6CBD-47A54200EFB8}"/>
+                <a16:creationId xmlns:a16="http://schemas.microsoft.com/office/drawing/2014/main" id="{5B33EABC-B95D-4881-7501-E2F2E1A438FF}"/>
               </a:ext>
             </a:extLst>
           </p:cNvPr>
@@ -1318,7 +1318,7 @@
           <p:cNvPr id="4" name="内容占位符 3">
             <a:extLst>
               <a:ext uri="{FF2B5EF4-FFF2-40B4-BE49-F238E27FC236}">
-                <a16:creationId xmlns:a16="http://schemas.microsoft.com/office/drawing/2014/main" id="{A4FAAE6D-F2B3-C0F8-752C-2460032F0CE1}"/>
+                <a16:creationId xmlns:a16="http://schemas.microsoft.com/office/drawing/2014/main" id="{6D4C2988-5341-595B-74D5-42112AD832C2}"/>
               </a:ext>
             </a:extLst>
           </p:cNvPr>
@@ -1380,7 +1380,7 @@
           <p:cNvPr id="5" name="日期占位符 4">
             <a:extLst>
               <a:ext uri="{FF2B5EF4-FFF2-40B4-BE49-F238E27FC236}">
-                <a16:creationId xmlns:a16="http://schemas.microsoft.com/office/drawing/2014/main" id="{9E29ABBC-671D-8F55-2A8B-62120183C35E}"/>
+                <a16:creationId xmlns:a16="http://schemas.microsoft.com/office/drawing/2014/main" id="{0AD79145-303F-6AEB-69AD-99D6FDFDD867}"/>
               </a:ext>
             </a:extLst>
           </p:cNvPr>
@@ -1396,7 +1396,7 @@
           <a:bodyPr/>
           <a:lstStyle/>
           <a:p>
-            <a:fld id="{CA8788D4-93C4-4801-85F5-FA0A3E6000A6}" type="datetimeFigureOut">
+            <a:fld id="{CE851A7A-D552-470B-A767-D32D76C274D2}" type="datetimeFigureOut">
               <a:rPr lang="zh-CN" altLang="en-US" smtClean="0"/>
               <a:t>2024/3/10</a:t>
             </a:fld>
@@ -1409,7 +1409,7 @@
           <p:cNvPr id="6" name="页脚占位符 5">
             <a:extLst>
               <a:ext uri="{FF2B5EF4-FFF2-40B4-BE49-F238E27FC236}">
-                <a16:creationId xmlns:a16="http://schemas.microsoft.com/office/drawing/2014/main" id="{9AB198B9-65D3-0471-5BA1-12E85C9A58CF}"/>
+                <a16:creationId xmlns:a16="http://schemas.microsoft.com/office/drawing/2014/main" id="{74470D2A-57CD-3DE5-2D17-F6F635FA5621}"/>
               </a:ext>
             </a:extLst>
           </p:cNvPr>
@@ -1434,7 +1434,7 @@
           <p:cNvPr id="7" name="灯片编号占位符 6">
             <a:extLst>
               <a:ext uri="{FF2B5EF4-FFF2-40B4-BE49-F238E27FC236}">
-                <a16:creationId xmlns:a16="http://schemas.microsoft.com/office/drawing/2014/main" id="{FCF19BDB-434A-F469-1F60-4EA573D8CBA4}"/>
+                <a16:creationId xmlns:a16="http://schemas.microsoft.com/office/drawing/2014/main" id="{E6F7DF2D-0851-4A2C-F621-E5DC1D4C5D45}"/>
               </a:ext>
             </a:extLst>
           </p:cNvPr>
@@ -1450,7 +1450,7 @@
           <a:bodyPr/>
           <a:lstStyle/>
           <a:p>
-            <a:fld id="{E1E11BF9-0F1A-49C2-BE52-EF0FB9910B56}" type="slidenum">
+            <a:fld id="{1E915D0A-A078-4E11-9AAE-AA99D19E461F}" type="slidenum">
               <a:rPr lang="zh-CN" altLang="en-US" smtClean="0"/>
               <a:t>‹#›</a:t>
             </a:fld>
@@ -1461,7 +1461,7 @@
     </p:spTree>
     <p:extLst>
       <p:ext uri="{BB962C8B-B14F-4D97-AF65-F5344CB8AC3E}">
-        <p14:creationId xmlns:p14="http://schemas.microsoft.com/office/powerpoint/2010/main" val="1802436079"/>
+        <p14:creationId xmlns:p14="http://schemas.microsoft.com/office/powerpoint/2010/main" val="3208362511"/>
       </p:ext>
     </p:extLst>
   </p:cSld>
@@ -1493,7 +1493,7 @@
           <p:cNvPr id="2" name="标题 1">
             <a:extLst>
               <a:ext uri="{FF2B5EF4-FFF2-40B4-BE49-F238E27FC236}">
-                <a16:creationId xmlns:a16="http://schemas.microsoft.com/office/drawing/2014/main" id="{6E2C3487-8536-FF8C-7A84-C4936C69BAD6}"/>
+                <a16:creationId xmlns:a16="http://schemas.microsoft.com/office/drawing/2014/main" id="{981A5473-E194-25B9-40D8-BCA410901C5F}"/>
               </a:ext>
             </a:extLst>
           </p:cNvPr>
@@ -1526,7 +1526,7 @@
           <p:cNvPr id="3" name="文本占位符 2">
             <a:extLst>
               <a:ext uri="{FF2B5EF4-FFF2-40B4-BE49-F238E27FC236}">
-                <a16:creationId xmlns:a16="http://schemas.microsoft.com/office/drawing/2014/main" id="{21986406-B323-9044-D413-190796DA2ECB}"/>
+                <a16:creationId xmlns:a16="http://schemas.microsoft.com/office/drawing/2014/main" id="{1F5B1AAB-97C0-607B-FFE0-F4BF9B0EF35D}"/>
               </a:ext>
             </a:extLst>
           </p:cNvPr>
@@ -1597,7 +1597,7 @@
           <p:cNvPr id="4" name="内容占位符 3">
             <a:extLst>
               <a:ext uri="{FF2B5EF4-FFF2-40B4-BE49-F238E27FC236}">
-                <a16:creationId xmlns:a16="http://schemas.microsoft.com/office/drawing/2014/main" id="{04DC8186-6961-1901-83A3-F6D3B8A68626}"/>
+                <a16:creationId xmlns:a16="http://schemas.microsoft.com/office/drawing/2014/main" id="{2D5159B2-A781-F181-ADF6-69781A7EEB98}"/>
               </a:ext>
             </a:extLst>
           </p:cNvPr>
@@ -1659,7 +1659,7 @@
           <p:cNvPr id="5" name="文本占位符 4">
             <a:extLst>
               <a:ext uri="{FF2B5EF4-FFF2-40B4-BE49-F238E27FC236}">
-                <a16:creationId xmlns:a16="http://schemas.microsoft.com/office/drawing/2014/main" id="{32124C8F-0752-1DF3-52DB-B2E7440F50EF}"/>
+                <a16:creationId xmlns:a16="http://schemas.microsoft.com/office/drawing/2014/main" id="{7F784E90-9DD0-4FDC-B4F4-A82CC394A7BA}"/>
               </a:ext>
             </a:extLst>
           </p:cNvPr>
@@ -1730,7 +1730,7 @@
           <p:cNvPr id="6" name="内容占位符 5">
             <a:extLst>
               <a:ext uri="{FF2B5EF4-FFF2-40B4-BE49-F238E27FC236}">
-                <a16:creationId xmlns:a16="http://schemas.microsoft.com/office/drawing/2014/main" id="{498E704F-4D3A-2C25-835B-154DBCCC1198}"/>
+                <a16:creationId xmlns:a16="http://schemas.microsoft.com/office/drawing/2014/main" id="{3F458F89-EF8B-319F-31C7-9B10FA1AAF8A}"/>
               </a:ext>
             </a:extLst>
           </p:cNvPr>
@@ -1792,7 +1792,7 @@
           <p:cNvPr id="7" name="日期占位符 6">
             <a:extLst>
               <a:ext uri="{FF2B5EF4-FFF2-40B4-BE49-F238E27FC236}">
-                <a16:creationId xmlns:a16="http://schemas.microsoft.com/office/drawing/2014/main" id="{05AA27D6-2547-59D7-DD9F-7236B591FB37}"/>
+                <a16:creationId xmlns:a16="http://schemas.microsoft.com/office/drawing/2014/main" id="{4A01FA58-59F9-E716-7E60-C53AF1141C5D}"/>
               </a:ext>
             </a:extLst>
           </p:cNvPr>
@@ -1808,7 +1808,7 @@
           <a:bodyPr/>
           <a:lstStyle/>
           <a:p>
-            <a:fld id="{CA8788D4-93C4-4801-85F5-FA0A3E6000A6}" type="datetimeFigureOut">
+            <a:fld id="{CE851A7A-D552-470B-A767-D32D76C274D2}" type="datetimeFigureOut">
               <a:rPr lang="zh-CN" altLang="en-US" smtClean="0"/>
               <a:t>2024/3/10</a:t>
             </a:fld>
@@ -1821,7 +1821,7 @@
           <p:cNvPr id="8" name="页脚占位符 7">
             <a:extLst>
               <a:ext uri="{FF2B5EF4-FFF2-40B4-BE49-F238E27FC236}">
-                <a16:creationId xmlns:a16="http://schemas.microsoft.com/office/drawing/2014/main" id="{FE358F50-D020-45F3-D389-AEEF374D9101}"/>
+                <a16:creationId xmlns:a16="http://schemas.microsoft.com/office/drawing/2014/main" id="{CEEA2BD0-5E8A-0459-B463-9C1978D3AE1E}"/>
               </a:ext>
             </a:extLst>
           </p:cNvPr>
@@ -1846,7 +1846,7 @@
           <p:cNvPr id="9" name="灯片编号占位符 8">
             <a:extLst>
               <a:ext uri="{FF2B5EF4-FFF2-40B4-BE49-F238E27FC236}">
-                <a16:creationId xmlns:a16="http://schemas.microsoft.com/office/drawing/2014/main" id="{E5CD0188-7AAB-4F55-480D-ECF8CD7078E9}"/>
+                <a16:creationId xmlns:a16="http://schemas.microsoft.com/office/drawing/2014/main" id="{4C67DEBA-8A41-8E90-29D2-2F9A510B010D}"/>
               </a:ext>
             </a:extLst>
           </p:cNvPr>
@@ -1862,7 +1862,7 @@
           <a:bodyPr/>
           <a:lstStyle/>
           <a:p>
-            <a:fld id="{E1E11BF9-0F1A-49C2-BE52-EF0FB9910B56}" type="slidenum">
+            <a:fld id="{1E915D0A-A078-4E11-9AAE-AA99D19E461F}" type="slidenum">
               <a:rPr lang="zh-CN" altLang="en-US" smtClean="0"/>
               <a:t>‹#›</a:t>
             </a:fld>
@@ -1873,7 +1873,7 @@
     </p:spTree>
     <p:extLst>
       <p:ext uri="{BB962C8B-B14F-4D97-AF65-F5344CB8AC3E}">
-        <p14:creationId xmlns:p14="http://schemas.microsoft.com/office/powerpoint/2010/main" val="2211723051"/>
+        <p14:creationId xmlns:p14="http://schemas.microsoft.com/office/powerpoint/2010/main" val="2352676151"/>
       </p:ext>
     </p:extLst>
   </p:cSld>
@@ -1905,7 +1905,7 @@
           <p:cNvPr id="2" name="标题 1">
             <a:extLst>
               <a:ext uri="{FF2B5EF4-FFF2-40B4-BE49-F238E27FC236}">
-                <a16:creationId xmlns:a16="http://schemas.microsoft.com/office/drawing/2014/main" id="{E13C625C-D8A2-DD2E-B3FF-85FE8FA12C3F}"/>
+                <a16:creationId xmlns:a16="http://schemas.microsoft.com/office/drawing/2014/main" id="{6F56A46D-A22F-05E4-EA04-40B5F2E62730}"/>
               </a:ext>
             </a:extLst>
           </p:cNvPr>
@@ -1933,7 +1933,7 @@
           <p:cNvPr id="3" name="日期占位符 2">
             <a:extLst>
               <a:ext uri="{FF2B5EF4-FFF2-40B4-BE49-F238E27FC236}">
-                <a16:creationId xmlns:a16="http://schemas.microsoft.com/office/drawing/2014/main" id="{2E166ED4-FC99-652C-A295-BD3BABE71AB8}"/>
+                <a16:creationId xmlns:a16="http://schemas.microsoft.com/office/drawing/2014/main" id="{5B076A33-604E-79D7-DD98-0530C4473FEE}"/>
               </a:ext>
             </a:extLst>
           </p:cNvPr>
@@ -1949,7 +1949,7 @@
           <a:bodyPr/>
           <a:lstStyle/>
           <a:p>
-            <a:fld id="{CA8788D4-93C4-4801-85F5-FA0A3E6000A6}" type="datetimeFigureOut">
+            <a:fld id="{CE851A7A-D552-470B-A767-D32D76C274D2}" type="datetimeFigureOut">
               <a:rPr lang="zh-CN" altLang="en-US" smtClean="0"/>
               <a:t>2024/3/10</a:t>
             </a:fld>
@@ -1962,7 +1962,7 @@
           <p:cNvPr id="4" name="页脚占位符 3">
             <a:extLst>
               <a:ext uri="{FF2B5EF4-FFF2-40B4-BE49-F238E27FC236}">
-                <a16:creationId xmlns:a16="http://schemas.microsoft.com/office/drawing/2014/main" id="{249E04FA-2051-0360-0819-3690121F0D7B}"/>
+                <a16:creationId xmlns:a16="http://schemas.microsoft.com/office/drawing/2014/main" id="{5CF7F90F-9C3B-9394-83BC-F638DB56C8B8}"/>
               </a:ext>
             </a:extLst>
           </p:cNvPr>
@@ -1987,7 +1987,7 @@
           <p:cNvPr id="5" name="灯片编号占位符 4">
             <a:extLst>
               <a:ext uri="{FF2B5EF4-FFF2-40B4-BE49-F238E27FC236}">
-                <a16:creationId xmlns:a16="http://schemas.microsoft.com/office/drawing/2014/main" id="{9D8C44FB-4E21-BAC5-B9E1-6CBE52479CF3}"/>
+                <a16:creationId xmlns:a16="http://schemas.microsoft.com/office/drawing/2014/main" id="{B9D6CD2B-53AC-0DF0-ED8D-A16A54D7A7B2}"/>
               </a:ext>
             </a:extLst>
           </p:cNvPr>
@@ -2003,7 +2003,7 @@
           <a:bodyPr/>
           <a:lstStyle/>
           <a:p>
-            <a:fld id="{E1E11BF9-0F1A-49C2-BE52-EF0FB9910B56}" type="slidenum">
+            <a:fld id="{1E915D0A-A078-4E11-9AAE-AA99D19E461F}" type="slidenum">
               <a:rPr lang="zh-CN" altLang="en-US" smtClean="0"/>
               <a:t>‹#›</a:t>
             </a:fld>
@@ -2014,7 +2014,7 @@
     </p:spTree>
     <p:extLst>
       <p:ext uri="{BB962C8B-B14F-4D97-AF65-F5344CB8AC3E}">
-        <p14:creationId xmlns:p14="http://schemas.microsoft.com/office/powerpoint/2010/main" val="2661422319"/>
+        <p14:creationId xmlns:p14="http://schemas.microsoft.com/office/powerpoint/2010/main" val="4290632226"/>
       </p:ext>
     </p:extLst>
   </p:cSld>
@@ -2046,7 +2046,7 @@
           <p:cNvPr id="2" name="日期占位符 1">
             <a:extLst>
               <a:ext uri="{FF2B5EF4-FFF2-40B4-BE49-F238E27FC236}">
-                <a16:creationId xmlns:a16="http://schemas.microsoft.com/office/drawing/2014/main" id="{B7443E07-F70F-3204-6EA0-2876BC8A815F}"/>
+                <a16:creationId xmlns:a16="http://schemas.microsoft.com/office/drawing/2014/main" id="{8606CC88-7481-A688-BD4B-8C21629D080A}"/>
               </a:ext>
             </a:extLst>
           </p:cNvPr>
@@ -2062,7 +2062,7 @@
           <a:bodyPr/>
           <a:lstStyle/>
           <a:p>
-            <a:fld id="{CA8788D4-93C4-4801-85F5-FA0A3E6000A6}" type="datetimeFigureOut">
+            <a:fld id="{CE851A7A-D552-470B-A767-D32D76C274D2}" type="datetimeFigureOut">
               <a:rPr lang="zh-CN" altLang="en-US" smtClean="0"/>
               <a:t>2024/3/10</a:t>
             </a:fld>
@@ -2075,7 +2075,7 @@
           <p:cNvPr id="3" name="页脚占位符 2">
             <a:extLst>
               <a:ext uri="{FF2B5EF4-FFF2-40B4-BE49-F238E27FC236}">
-                <a16:creationId xmlns:a16="http://schemas.microsoft.com/office/drawing/2014/main" id="{CD5C32FD-8E4E-AA43-D2E5-C0A815BBE1E2}"/>
+                <a16:creationId xmlns:a16="http://schemas.microsoft.com/office/drawing/2014/main" id="{C964234B-AFF6-1582-5F9C-F4724B5C0FD9}"/>
               </a:ext>
             </a:extLst>
           </p:cNvPr>
@@ -2100,7 +2100,7 @@
           <p:cNvPr id="4" name="灯片编号占位符 3">
             <a:extLst>
               <a:ext uri="{FF2B5EF4-FFF2-40B4-BE49-F238E27FC236}">
-                <a16:creationId xmlns:a16="http://schemas.microsoft.com/office/drawing/2014/main" id="{A6086F5B-DB81-8900-19DD-2CB557D46FD0}"/>
+                <a16:creationId xmlns:a16="http://schemas.microsoft.com/office/drawing/2014/main" id="{2926EF5E-ACCF-63C2-5AA7-F9241EB77E61}"/>
               </a:ext>
             </a:extLst>
           </p:cNvPr>
@@ -2116,7 +2116,7 @@
           <a:bodyPr/>
           <a:lstStyle/>
           <a:p>
-            <a:fld id="{E1E11BF9-0F1A-49C2-BE52-EF0FB9910B56}" type="slidenum">
+            <a:fld id="{1E915D0A-A078-4E11-9AAE-AA99D19E461F}" type="slidenum">
               <a:rPr lang="zh-CN" altLang="en-US" smtClean="0"/>
               <a:t>‹#›</a:t>
             </a:fld>
@@ -2127,7 +2127,7 @@
     </p:spTree>
     <p:extLst>
       <p:ext uri="{BB962C8B-B14F-4D97-AF65-F5344CB8AC3E}">
-        <p14:creationId xmlns:p14="http://schemas.microsoft.com/office/powerpoint/2010/main" val="3662942069"/>
+        <p14:creationId xmlns:p14="http://schemas.microsoft.com/office/powerpoint/2010/main" val="2287164"/>
       </p:ext>
     </p:extLst>
   </p:cSld>
@@ -2159,7 +2159,7 @@
           <p:cNvPr id="2" name="标题 1">
             <a:extLst>
               <a:ext uri="{FF2B5EF4-FFF2-40B4-BE49-F238E27FC236}">
-                <a16:creationId xmlns:a16="http://schemas.microsoft.com/office/drawing/2014/main" id="{B6752784-84F4-10C9-FD59-AB45FC47ABE6}"/>
+                <a16:creationId xmlns:a16="http://schemas.microsoft.com/office/drawing/2014/main" id="{F9F566D6-ABB4-3746-9E99-9739478D75D7}"/>
               </a:ext>
             </a:extLst>
           </p:cNvPr>
@@ -2196,7 +2196,7 @@
           <p:cNvPr id="3" name="内容占位符 2">
             <a:extLst>
               <a:ext uri="{FF2B5EF4-FFF2-40B4-BE49-F238E27FC236}">
-                <a16:creationId xmlns:a16="http://schemas.microsoft.com/office/drawing/2014/main" id="{223FBA4F-D0A5-E370-0C5F-64258C0C5099}"/>
+                <a16:creationId xmlns:a16="http://schemas.microsoft.com/office/drawing/2014/main" id="{C1119F43-7C12-5417-16F7-282156A778BD}"/>
               </a:ext>
             </a:extLst>
           </p:cNvPr>
@@ -2286,7 +2286,7 @@
           <p:cNvPr id="4" name="文本占位符 3">
             <a:extLst>
               <a:ext uri="{FF2B5EF4-FFF2-40B4-BE49-F238E27FC236}">
-                <a16:creationId xmlns:a16="http://schemas.microsoft.com/office/drawing/2014/main" id="{B764BA20-A8D7-44AA-6FD4-B68FAA491687}"/>
+                <a16:creationId xmlns:a16="http://schemas.microsoft.com/office/drawing/2014/main" id="{84059034-94B5-79A3-ABF6-063AE37BAB4F}"/>
               </a:ext>
             </a:extLst>
           </p:cNvPr>
@@ -2357,7 +2357,7 @@
           <p:cNvPr id="5" name="日期占位符 4">
             <a:extLst>
               <a:ext uri="{FF2B5EF4-FFF2-40B4-BE49-F238E27FC236}">
-                <a16:creationId xmlns:a16="http://schemas.microsoft.com/office/drawing/2014/main" id="{D424FC7E-6B63-31FD-E92A-2092DA701447}"/>
+                <a16:creationId xmlns:a16="http://schemas.microsoft.com/office/drawing/2014/main" id="{3A52786B-98CF-9B79-8C64-8EA05F14F59F}"/>
               </a:ext>
             </a:extLst>
           </p:cNvPr>
@@ -2373,7 +2373,7 @@
           <a:bodyPr/>
           <a:lstStyle/>
           <a:p>
-            <a:fld id="{CA8788D4-93C4-4801-85F5-FA0A3E6000A6}" type="datetimeFigureOut">
+            <a:fld id="{CE851A7A-D552-470B-A767-D32D76C274D2}" type="datetimeFigureOut">
               <a:rPr lang="zh-CN" altLang="en-US" smtClean="0"/>
               <a:t>2024/3/10</a:t>
             </a:fld>
@@ -2386,7 +2386,7 @@
           <p:cNvPr id="6" name="页脚占位符 5">
             <a:extLst>
               <a:ext uri="{FF2B5EF4-FFF2-40B4-BE49-F238E27FC236}">
-                <a16:creationId xmlns:a16="http://schemas.microsoft.com/office/drawing/2014/main" id="{4F097260-5489-A0B3-7227-9C2B130A6EE7}"/>
+                <a16:creationId xmlns:a16="http://schemas.microsoft.com/office/drawing/2014/main" id="{7AF39402-8A60-BF45-CA02-0C48C92E140E}"/>
               </a:ext>
             </a:extLst>
           </p:cNvPr>
@@ -2411,7 +2411,7 @@
           <p:cNvPr id="7" name="灯片编号占位符 6">
             <a:extLst>
               <a:ext uri="{FF2B5EF4-FFF2-40B4-BE49-F238E27FC236}">
-                <a16:creationId xmlns:a16="http://schemas.microsoft.com/office/drawing/2014/main" id="{929DA1E5-5464-843E-4932-17AEAF27BE89}"/>
+                <a16:creationId xmlns:a16="http://schemas.microsoft.com/office/drawing/2014/main" id="{AFE72575-7FCA-2244-6344-FAE0BA158E93}"/>
               </a:ext>
             </a:extLst>
           </p:cNvPr>
@@ -2427,7 +2427,7 @@
           <a:bodyPr/>
           <a:lstStyle/>
           <a:p>
-            <a:fld id="{E1E11BF9-0F1A-49C2-BE52-EF0FB9910B56}" type="slidenum">
+            <a:fld id="{1E915D0A-A078-4E11-9AAE-AA99D19E461F}" type="slidenum">
               <a:rPr lang="zh-CN" altLang="en-US" smtClean="0"/>
               <a:t>‹#›</a:t>
             </a:fld>
@@ -2438,7 +2438,7 @@
     </p:spTree>
     <p:extLst>
       <p:ext uri="{BB962C8B-B14F-4D97-AF65-F5344CB8AC3E}">
-        <p14:creationId xmlns:p14="http://schemas.microsoft.com/office/powerpoint/2010/main" val="663795583"/>
+        <p14:creationId xmlns:p14="http://schemas.microsoft.com/office/powerpoint/2010/main" val="2238165346"/>
       </p:ext>
     </p:extLst>
   </p:cSld>
@@ -2470,7 +2470,7 @@
           <p:cNvPr id="2" name="标题 1">
             <a:extLst>
               <a:ext uri="{FF2B5EF4-FFF2-40B4-BE49-F238E27FC236}">
-                <a16:creationId xmlns:a16="http://schemas.microsoft.com/office/drawing/2014/main" id="{48BECA0C-A54B-75BD-A9F4-970413A9D043}"/>
+                <a16:creationId xmlns:a16="http://schemas.microsoft.com/office/drawing/2014/main" id="{1ECC8568-48CF-3396-320F-3740B6E1DFD0}"/>
               </a:ext>
             </a:extLst>
           </p:cNvPr>
@@ -2507,7 +2507,7 @@
           <p:cNvPr id="3" name="图片占位符 2">
             <a:extLst>
               <a:ext uri="{FF2B5EF4-FFF2-40B4-BE49-F238E27FC236}">
-                <a16:creationId xmlns:a16="http://schemas.microsoft.com/office/drawing/2014/main" id="{77742D1B-C779-F10D-7EAE-6A843E72D4DA}"/>
+                <a16:creationId xmlns:a16="http://schemas.microsoft.com/office/drawing/2014/main" id="{E948761D-287A-C478-7E1D-7F691C2D324D}"/>
               </a:ext>
             </a:extLst>
           </p:cNvPr>
@@ -2574,7 +2574,7 @@
           <p:cNvPr id="4" name="文本占位符 3">
             <a:extLst>
               <a:ext uri="{FF2B5EF4-FFF2-40B4-BE49-F238E27FC236}">
-                <a16:creationId xmlns:a16="http://schemas.microsoft.com/office/drawing/2014/main" id="{D97A014B-4784-0ECB-E815-D908962F14FA}"/>
+                <a16:creationId xmlns:a16="http://schemas.microsoft.com/office/drawing/2014/main" id="{4011216B-9D27-C753-2806-06EE3BFD726D}"/>
               </a:ext>
             </a:extLst>
           </p:cNvPr>
@@ -2645,7 +2645,7 @@
           <p:cNvPr id="5" name="日期占位符 4">
             <a:extLst>
               <a:ext uri="{FF2B5EF4-FFF2-40B4-BE49-F238E27FC236}">
-                <a16:creationId xmlns:a16="http://schemas.microsoft.com/office/drawing/2014/main" id="{93F779BB-679C-7B80-84EC-9CC8740A72EC}"/>
+                <a16:creationId xmlns:a16="http://schemas.microsoft.com/office/drawing/2014/main" id="{A9832960-DBD1-79AA-5226-DF2B64E1F5D7}"/>
               </a:ext>
             </a:extLst>
           </p:cNvPr>
@@ -2661,7 +2661,7 @@
           <a:bodyPr/>
           <a:lstStyle/>
           <a:p>
-            <a:fld id="{CA8788D4-93C4-4801-85F5-FA0A3E6000A6}" type="datetimeFigureOut">
+            <a:fld id="{CE851A7A-D552-470B-A767-D32D76C274D2}" type="datetimeFigureOut">
               <a:rPr lang="zh-CN" altLang="en-US" smtClean="0"/>
               <a:t>2024/3/10</a:t>
             </a:fld>
@@ -2674,7 +2674,7 @@
           <p:cNvPr id="6" name="页脚占位符 5">
             <a:extLst>
               <a:ext uri="{FF2B5EF4-FFF2-40B4-BE49-F238E27FC236}">
-                <a16:creationId xmlns:a16="http://schemas.microsoft.com/office/drawing/2014/main" id="{01712071-4595-5975-C9DB-47F178C31E73}"/>
+                <a16:creationId xmlns:a16="http://schemas.microsoft.com/office/drawing/2014/main" id="{DE68B90D-6A28-6260-E3DB-2D680904DF51}"/>
               </a:ext>
             </a:extLst>
           </p:cNvPr>
@@ -2699,7 +2699,7 @@
           <p:cNvPr id="7" name="灯片编号占位符 6">
             <a:extLst>
               <a:ext uri="{FF2B5EF4-FFF2-40B4-BE49-F238E27FC236}">
-                <a16:creationId xmlns:a16="http://schemas.microsoft.com/office/drawing/2014/main" id="{D4B7A317-1923-FEAC-6EDB-F0C3574E8538}"/>
+                <a16:creationId xmlns:a16="http://schemas.microsoft.com/office/drawing/2014/main" id="{A0918663-037A-69CE-636F-F61F409CFC1F}"/>
               </a:ext>
             </a:extLst>
           </p:cNvPr>
@@ -2715,7 +2715,7 @@
           <a:bodyPr/>
           <a:lstStyle/>
           <a:p>
-            <a:fld id="{E1E11BF9-0F1A-49C2-BE52-EF0FB9910B56}" type="slidenum">
+            <a:fld id="{1E915D0A-A078-4E11-9AAE-AA99D19E461F}" type="slidenum">
               <a:rPr lang="zh-CN" altLang="en-US" smtClean="0"/>
               <a:t>‹#›</a:t>
             </a:fld>
@@ -2726,7 +2726,7 @@
     </p:spTree>
     <p:extLst>
       <p:ext uri="{BB962C8B-B14F-4D97-AF65-F5344CB8AC3E}">
-        <p14:creationId xmlns:p14="http://schemas.microsoft.com/office/powerpoint/2010/main" val="978817642"/>
+        <p14:creationId xmlns:p14="http://schemas.microsoft.com/office/powerpoint/2010/main" val="2559358448"/>
       </p:ext>
     </p:extLst>
   </p:cSld>
@@ -2763,7 +2763,7 @@
           <p:cNvPr id="2" name="标题占位符 1">
             <a:extLst>
               <a:ext uri="{FF2B5EF4-FFF2-40B4-BE49-F238E27FC236}">
-                <a16:creationId xmlns:a16="http://schemas.microsoft.com/office/drawing/2014/main" id="{7A40E3B2-622C-C81F-3864-E81253AE580F}"/>
+                <a16:creationId xmlns:a16="http://schemas.microsoft.com/office/drawing/2014/main" id="{256765A7-95AE-5F31-69CA-ADB208F3FACA}"/>
               </a:ext>
             </a:extLst>
           </p:cNvPr>
@@ -2801,7 +2801,7 @@
           <p:cNvPr id="3" name="文本占位符 2">
             <a:extLst>
               <a:ext uri="{FF2B5EF4-FFF2-40B4-BE49-F238E27FC236}">
-                <a16:creationId xmlns:a16="http://schemas.microsoft.com/office/drawing/2014/main" id="{C23A3BA7-71C7-AFC7-05D5-368A81232110}"/>
+                <a16:creationId xmlns:a16="http://schemas.microsoft.com/office/drawing/2014/main" id="{C170BE6C-BA33-08A8-5121-E8810B9C582A}"/>
               </a:ext>
             </a:extLst>
           </p:cNvPr>
@@ -2868,7 +2868,7 @@
           <p:cNvPr id="4" name="日期占位符 3">
             <a:extLst>
               <a:ext uri="{FF2B5EF4-FFF2-40B4-BE49-F238E27FC236}">
-                <a16:creationId xmlns:a16="http://schemas.microsoft.com/office/drawing/2014/main" id="{180C377C-599C-D93D-59DA-B23691DA914D}"/>
+                <a16:creationId xmlns:a16="http://schemas.microsoft.com/office/drawing/2014/main" id="{DB9CB8EB-B89E-7978-7A6B-092E57C6B252}"/>
               </a:ext>
             </a:extLst>
           </p:cNvPr>
@@ -2902,7 +2902,7 @@
             </a:lvl1pPr>
           </a:lstStyle>
           <a:p>
-            <a:fld id="{CA8788D4-93C4-4801-85F5-FA0A3E6000A6}" type="datetimeFigureOut">
+            <a:fld id="{CE851A7A-D552-470B-A767-D32D76C274D2}" type="datetimeFigureOut">
               <a:rPr lang="zh-CN" altLang="en-US" smtClean="0"/>
               <a:t>2024/3/10</a:t>
             </a:fld>
@@ -2915,7 +2915,7 @@
           <p:cNvPr id="5" name="页脚占位符 4">
             <a:extLst>
               <a:ext uri="{FF2B5EF4-FFF2-40B4-BE49-F238E27FC236}">
-                <a16:creationId xmlns:a16="http://schemas.microsoft.com/office/drawing/2014/main" id="{6DBC2A93-FA82-05F1-99F1-529AF3E22AE4}"/>
+                <a16:creationId xmlns:a16="http://schemas.microsoft.com/office/drawing/2014/main" id="{7EDF1DCB-9AC2-3186-3F4B-AA59FBC56320}"/>
               </a:ext>
             </a:extLst>
           </p:cNvPr>
@@ -2958,7 +2958,7 @@
           <p:cNvPr id="6" name="灯片编号占位符 5">
             <a:extLst>
               <a:ext uri="{FF2B5EF4-FFF2-40B4-BE49-F238E27FC236}">
-                <a16:creationId xmlns:a16="http://schemas.microsoft.com/office/drawing/2014/main" id="{592A2560-CB54-924B-DFF7-2201245846DD}"/>
+                <a16:creationId xmlns:a16="http://schemas.microsoft.com/office/drawing/2014/main" id="{6DA6E980-EC06-7AC3-6DE8-2BD7FD23D05A}"/>
               </a:ext>
             </a:extLst>
           </p:cNvPr>
@@ -2992,7 +2992,7 @@
             </a:lvl1pPr>
           </a:lstStyle>
           <a:p>
-            <a:fld id="{E1E11BF9-0F1A-49C2-BE52-EF0FB9910B56}" type="slidenum">
+            <a:fld id="{1E915D0A-A078-4E11-9AAE-AA99D19E461F}" type="slidenum">
               <a:rPr lang="zh-CN" altLang="en-US" smtClean="0"/>
               <a:t>‹#›</a:t>
             </a:fld>
@@ -3003,7 +3003,7 @@
     </p:spTree>
     <p:extLst>
       <p:ext uri="{BB962C8B-B14F-4D97-AF65-F5344CB8AC3E}">
-        <p14:creationId xmlns:p14="http://schemas.microsoft.com/office/powerpoint/2010/main" val="635502278"/>
+        <p14:creationId xmlns:p14="http://schemas.microsoft.com/office/powerpoint/2010/main" val="1889114013"/>
       </p:ext>
     </p:extLst>
   </p:cSld>
